--- a/Fall_2020/Slides/12-Distributed_DBMS_Reliability-2.pptx
+++ b/Fall_2020/Slides/12-Distributed_DBMS_Reliability-2.pptx
@@ -283,7 +283,7 @@
               <a:pPr>
                 <a:defRPr/>
               </a:pPr>
-              <a:t>11/25/20</a:t>
+              <a:t>12/9/20</a:t>
             </a:fld>
             <a:endParaRPr lang="en-US"/>
           </a:p>
@@ -479,7 +479,7 @@
               <a:pPr>
                 <a:defRPr/>
               </a:pPr>
-              <a:t>2020/11/25</a:t>
+              <a:t>2020/12/9</a:t>
             </a:fld>
             <a:endParaRPr lang="zh-CN" altLang="en-US"/>
           </a:p>
@@ -1382,7 +1382,7 @@
               <a:pPr>
                 <a:defRPr/>
               </a:pPr>
-              <a:t>2020/11/25</a:t>
+              <a:t>2020/12/9</a:t>
             </a:fld>
             <a:endParaRPr lang="zh-CN" altLang="en-US"/>
           </a:p>
@@ -1588,7 +1588,7 @@
               <a:pPr>
                 <a:defRPr/>
               </a:pPr>
-              <a:t>2020/11/25</a:t>
+              <a:t>2020/12/9</a:t>
             </a:fld>
             <a:endParaRPr lang="zh-CN" altLang="en-US"/>
           </a:p>
@@ -1803,7 +1803,7 @@
               <a:pPr>
                 <a:defRPr/>
               </a:pPr>
-              <a:t>2020/11/25</a:t>
+              <a:t>2020/12/9</a:t>
             </a:fld>
             <a:endParaRPr lang="zh-CN" altLang="en-US"/>
           </a:p>
@@ -2008,7 +2008,7 @@
               <a:pPr>
                 <a:defRPr/>
               </a:pPr>
-              <a:t>2020/11/25</a:t>
+              <a:t>2020/12/9</a:t>
             </a:fld>
             <a:endParaRPr lang="zh-CN" altLang="en-US"/>
           </a:p>
@@ -2536,7 +2536,7 @@
               <a:pPr>
                 <a:defRPr/>
               </a:pPr>
-              <a:t>2020/11/25</a:t>
+              <a:t>2020/12/9</a:t>
             </a:fld>
             <a:endParaRPr lang="zh-CN" altLang="en-US"/>
           </a:p>
@@ -2841,7 +2841,7 @@
               <a:pPr>
                 <a:defRPr/>
               </a:pPr>
-              <a:t>2020/11/25</a:t>
+              <a:t>2020/12/9</a:t>
             </a:fld>
             <a:endParaRPr lang="zh-CN" altLang="en-US"/>
           </a:p>
@@ -3361,7 +3361,7 @@
               <a:pPr>
                 <a:defRPr/>
               </a:pPr>
-              <a:t>2020/11/25</a:t>
+              <a:t>2020/12/9</a:t>
             </a:fld>
             <a:endParaRPr lang="zh-CN" altLang="en-US"/>
           </a:p>
@@ -3518,7 +3518,7 @@
               <a:pPr>
                 <a:defRPr/>
               </a:pPr>
-              <a:t>2020/11/25</a:t>
+              <a:t>2020/12/9</a:t>
             </a:fld>
             <a:endParaRPr lang="zh-CN" altLang="en-US"/>
           </a:p>
@@ -3768,7 +3768,7 @@
               <a:pPr>
                 <a:defRPr/>
               </a:pPr>
-              <a:t>2020/11/25</a:t>
+              <a:t>2020/12/9</a:t>
             </a:fld>
             <a:endParaRPr lang="zh-CN" altLang="en-US"/>
           </a:p>
@@ -4066,7 +4066,7 @@
               <a:pPr>
                 <a:defRPr/>
               </a:pPr>
-              <a:t>2020/11/25</a:t>
+              <a:t>2020/12/9</a:t>
             </a:fld>
             <a:endParaRPr lang="zh-CN" altLang="en-US"/>
           </a:p>
@@ -4538,7 +4538,7 @@
               <a:pPr>
                 <a:defRPr/>
               </a:pPr>
-              <a:t>2020/11/25</a:t>
+              <a:t>2020/12/9</a:t>
             </a:fld>
             <a:endParaRPr lang="zh-CN" altLang="en-US"/>
           </a:p>
@@ -5110,7 +5110,7 @@
               <a:pPr>
                 <a:defRPr/>
               </a:pPr>
-              <a:t>2020/11/25</a:t>
+              <a:t>2020/12/9</a:t>
             </a:fld>
             <a:endParaRPr lang="zh-CN" altLang="en-US"/>
           </a:p>
@@ -5840,7 +5840,11 @@
             </a:pPr>
             <a:r>
               <a:rPr lang="en-US" altLang="zh-CN" sz="2800" dirty="0" smtClean="0"/>
-              <a:t>Autumn, 2019</a:t>
+              <a:t>Autumn, </a:t>
+            </a:r>
+            <a:r>
+              <a:rPr lang="en-US" altLang="zh-CN" sz="2800" dirty="0" smtClean="0"/>
+              <a:t>2020</a:t>
             </a:r>
             <a:endParaRPr lang="zh-CN" altLang="en-US" sz="2800" dirty="0"/>
           </a:p>

--- a/Fall_2020/Slides/12-Distributed_DBMS_Reliability-2.pptx
+++ b/Fall_2020/Slides/12-Distributed_DBMS_Reliability-2.pptx
@@ -5840,11 +5840,7 @@
             </a:pPr>
             <a:r>
               <a:rPr lang="en-US" altLang="zh-CN" sz="2800" dirty="0" smtClean="0"/>
-              <a:t>Autumn, </a:t>
-            </a:r>
-            <a:r>
-              <a:rPr lang="en-US" altLang="zh-CN" sz="2800" dirty="0" smtClean="0"/>
-              <a:t>2020</a:t>
+              <a:t>Autumn, 2020</a:t>
             </a:r>
             <a:endParaRPr lang="zh-CN" altLang="en-US" sz="2800" dirty="0"/>
           </a:p>
